--- a/站酷/简历/黄粤湘.pptx
+++ b/站酷/简历/黄粤湘.pptx
@@ -240,7 +240,7 @@
             <a:fld id="{5179B4B5-A24A-43F3-A254-48198FB3D386}" type="datetimeFigureOut">
               <a:rPr lang="zh-CN" altLang="en-US" smtClean="0"/>
               <a:pPr/>
-              <a:t>2017/6/29</a:t>
+              <a:t>2017/7/29</a:t>
             </a:fld>
             <a:endParaRPr lang="zh-CN" altLang="en-US"/>
           </a:p>
@@ -407,7 +407,7 @@
             <a:fld id="{5179B4B5-A24A-43F3-A254-48198FB3D386}" type="datetimeFigureOut">
               <a:rPr lang="zh-CN" altLang="en-US" smtClean="0"/>
               <a:pPr/>
-              <a:t>2017/6/29</a:t>
+              <a:t>2017/7/29</a:t>
             </a:fld>
             <a:endParaRPr lang="zh-CN" altLang="en-US"/>
           </a:p>
@@ -584,7 +584,7 @@
             <a:fld id="{5179B4B5-A24A-43F3-A254-48198FB3D386}" type="datetimeFigureOut">
               <a:rPr lang="zh-CN" altLang="en-US" smtClean="0"/>
               <a:pPr/>
-              <a:t>2017/6/29</a:t>
+              <a:t>2017/7/29</a:t>
             </a:fld>
             <a:endParaRPr lang="zh-CN" altLang="en-US"/>
           </a:p>
@@ -751,7 +751,7 @@
             <a:fld id="{5179B4B5-A24A-43F3-A254-48198FB3D386}" type="datetimeFigureOut">
               <a:rPr lang="zh-CN" altLang="en-US" smtClean="0"/>
               <a:pPr/>
-              <a:t>2017/6/29</a:t>
+              <a:t>2017/7/29</a:t>
             </a:fld>
             <a:endParaRPr lang="zh-CN" altLang="en-US"/>
           </a:p>
@@ -992,7 +992,7 @@
             <a:fld id="{5179B4B5-A24A-43F3-A254-48198FB3D386}" type="datetimeFigureOut">
               <a:rPr lang="zh-CN" altLang="en-US" smtClean="0"/>
               <a:pPr/>
-              <a:t>2017/6/29</a:t>
+              <a:t>2017/7/29</a:t>
             </a:fld>
             <a:endParaRPr lang="zh-CN" altLang="en-US"/>
           </a:p>
@@ -1221,7 +1221,7 @@
             <a:fld id="{5179B4B5-A24A-43F3-A254-48198FB3D386}" type="datetimeFigureOut">
               <a:rPr lang="zh-CN" altLang="en-US" smtClean="0"/>
               <a:pPr/>
-              <a:t>2017/6/29</a:t>
+              <a:t>2017/7/29</a:t>
             </a:fld>
             <a:endParaRPr lang="zh-CN" altLang="en-US"/>
           </a:p>
@@ -1585,7 +1585,7 @@
             <a:fld id="{5179B4B5-A24A-43F3-A254-48198FB3D386}" type="datetimeFigureOut">
               <a:rPr lang="zh-CN" altLang="en-US" smtClean="0"/>
               <a:pPr/>
-              <a:t>2017/6/29</a:t>
+              <a:t>2017/7/29</a:t>
             </a:fld>
             <a:endParaRPr lang="zh-CN" altLang="en-US"/>
           </a:p>
@@ -1700,7 +1700,7 @@
             <a:fld id="{5179B4B5-A24A-43F3-A254-48198FB3D386}" type="datetimeFigureOut">
               <a:rPr lang="zh-CN" altLang="en-US" smtClean="0"/>
               <a:pPr/>
-              <a:t>2017/6/29</a:t>
+              <a:t>2017/7/29</a:t>
             </a:fld>
             <a:endParaRPr lang="zh-CN" altLang="en-US"/>
           </a:p>
@@ -1792,7 +1792,7 @@
             <a:fld id="{5179B4B5-A24A-43F3-A254-48198FB3D386}" type="datetimeFigureOut">
               <a:rPr lang="zh-CN" altLang="en-US" smtClean="0"/>
               <a:pPr/>
-              <a:t>2017/6/29</a:t>
+              <a:t>2017/7/29</a:t>
             </a:fld>
             <a:endParaRPr lang="zh-CN" altLang="en-US"/>
           </a:p>
@@ -2066,7 +2066,7 @@
             <a:fld id="{5179B4B5-A24A-43F3-A254-48198FB3D386}" type="datetimeFigureOut">
               <a:rPr lang="zh-CN" altLang="en-US" smtClean="0"/>
               <a:pPr/>
-              <a:t>2017/6/29</a:t>
+              <a:t>2017/7/29</a:t>
             </a:fld>
             <a:endParaRPr lang="zh-CN" altLang="en-US"/>
           </a:p>
@@ -2320,7 +2320,7 @@
             <a:fld id="{5179B4B5-A24A-43F3-A254-48198FB3D386}" type="datetimeFigureOut">
               <a:rPr lang="zh-CN" altLang="en-US" smtClean="0"/>
               <a:pPr/>
-              <a:t>2017/6/29</a:t>
+              <a:t>2017/7/29</a:t>
             </a:fld>
             <a:endParaRPr lang="zh-CN" altLang="en-US"/>
           </a:p>
@@ -2530,7 +2530,7 @@
             <a:fld id="{5179B4B5-A24A-43F3-A254-48198FB3D386}" type="datetimeFigureOut">
               <a:rPr lang="zh-CN" altLang="en-US" smtClean="0"/>
               <a:pPr/>
-              <a:t>2017/6/29</a:t>
+              <a:t>2017/7/29</a:t>
             </a:fld>
             <a:endParaRPr lang="zh-CN" altLang="en-US"/>
           </a:p>
@@ -2931,51 +2931,6 @@
           <a:chExt cx="0" cy="0"/>
         </a:xfrm>
       </p:grpSpPr>
-      <p:sp>
-        <p:nvSpPr>
-          <p:cNvPr id="4" name="椭圆 3"/>
-          <p:cNvSpPr/>
-          <p:nvPr/>
-        </p:nvSpPr>
-        <p:spPr>
-          <a:xfrm>
-            <a:off x="-3379643" y="747371"/>
-            <a:ext cx="1401950" cy="1401950"/>
-          </a:xfrm>
-          <a:prstGeom prst="ellipse">
-            <a:avLst/>
-          </a:prstGeom>
-          <a:blipFill dpi="0" rotWithShape="1">
-            <a:blip r:embed="rId2" cstate="print">
-              <a:lum bright="1000"/>
-            </a:blip>
-            <a:srcRect/>
-            <a:stretch>
-              <a:fillRect l="-10000" t="-10000" r="-20000" b="-40000"/>
-            </a:stretch>
-          </a:blipFill>
-          <a:ln w="28575" cap="flat" cmpd="sng">
-            <a:solidFill>
-              <a:srgbClr val="00B050"/>
-            </a:solidFill>
-            <a:prstDash val="solid"/>
-            <a:miter/>
-            <a:headEnd type="none" w="med" len="med"/>
-            <a:tailEnd type="none" w="med" len="med"/>
-          </a:ln>
-        </p:spPr>
-        <p:txBody>
-          <a:bodyPr anchor="ctr" upright="1"/>
-          <a:lstStyle/>
-          <a:p>
-            <a:endParaRPr lang="zh-CN" altLang="en-US" dirty="0">
-              <a:solidFill>
-                <a:srgbClr val="FF0000"/>
-              </a:solidFill>
-            </a:endParaRPr>
-          </a:p>
-        </p:txBody>
-      </p:sp>
       <p:sp>
         <p:nvSpPr>
           <p:cNvPr id="5" name="文本框 4"/>
@@ -11213,7 +11168,7 @@
           <p:nvPr/>
         </p:nvPicPr>
         <p:blipFill>
-          <a:blip r:embed="rId3" cstate="print"/>
+          <a:blip r:embed="rId2" cstate="print"/>
           <a:srcRect/>
           <a:stretch>
             <a:fillRect/>
@@ -11271,16 +11226,6 @@
 <file path=ppt/slides/slide2.xml><?xml version="1.0" encoding="utf-8"?>
 <p:sld xmlns:a="http://schemas.openxmlformats.org/drawingml/2006/main" xmlns:r="http://schemas.openxmlformats.org/officeDocument/2006/relationships" xmlns:p="http://schemas.openxmlformats.org/presentationml/2006/main">
   <p:cSld>
-    <p:bg>
-      <p:bgPr>
-        <a:solidFill>
-          <a:schemeClr val="bg1">
-            <a:lumMod val="95000"/>
-          </a:schemeClr>
-        </a:solidFill>
-        <a:effectLst/>
-      </p:bgPr>
-    </p:bg>
     <p:spTree>
       <p:nvGrpSpPr>
         <p:cNvPr id="1" name=""/>
@@ -11748,7 +11693,7 @@
       </p:sp>
       <p:grpSp>
         <p:nvGrpSpPr>
-          <p:cNvPr id="9" name="组合 8"/>
+          <p:cNvPr id="2" name="组合 8"/>
           <p:cNvGrpSpPr/>
           <p:nvPr/>
         </p:nvGrpSpPr>
